--- a/spring12/slidesS12/genfunc1.pptx
+++ b/spring12/slidesS12/genfunc1.pptx
@@ -58,7 +58,7 @@
     <p:sldId id="569" r:id="rId46"/>
   </p:sldIdLst>
   <p:sldSz cx="9144000" cy="6858000" type="screen4x3"/>
-  <p:notesSz cx="7315200" cy="9601200"/>
+  <p:notesSz cx="9601200" cy="7315200"/>
   <p:custDataLst>
     <p:tags r:id="rId50"/>
   </p:custDataLst>
@@ -234,7 +234,7 @@
         <p:spPr bwMode="auto">
           <a:xfrm>
             <a:off x="1" y="1"/>
-            <a:ext cx="3168650" cy="479425"/>
+            <a:ext cx="4158853" cy="365276"/>
           </a:xfrm>
           <a:prstGeom prst="rect">
             <a:avLst/>
@@ -281,8 +281,8 @@
         </p:nvSpPr>
         <p:spPr bwMode="auto">
           <a:xfrm>
-            <a:off x="4144963" y="1"/>
-            <a:ext cx="3168650" cy="479425"/>
+            <a:off x="5440264" y="1"/>
+            <a:ext cx="4158853" cy="365276"/>
           </a:xfrm>
           <a:prstGeom prst="rect">
             <a:avLst/>
@@ -329,8 +329,8 @@
         </p:nvSpPr>
         <p:spPr bwMode="auto">
           <a:xfrm>
-            <a:off x="1" y="9120189"/>
-            <a:ext cx="3168650" cy="479425"/>
+            <a:off x="1" y="6948716"/>
+            <a:ext cx="4158853" cy="365276"/>
           </a:xfrm>
           <a:prstGeom prst="rect">
             <a:avLst/>
@@ -377,8 +377,8 @@
         </p:nvSpPr>
         <p:spPr bwMode="auto">
           <a:xfrm>
-            <a:off x="4144963" y="9120189"/>
-            <a:ext cx="3168650" cy="479425"/>
+            <a:off x="5440264" y="6948716"/>
+            <a:ext cx="4158853" cy="365276"/>
           </a:xfrm>
           <a:prstGeom prst="rect">
             <a:avLst/>
@@ -469,7 +469,7 @@
         <p:spPr bwMode="auto">
           <a:xfrm>
             <a:off x="1" y="1"/>
-            <a:ext cx="3168650" cy="479425"/>
+            <a:ext cx="4158853" cy="365276"/>
           </a:xfrm>
           <a:prstGeom prst="rect">
             <a:avLst/>
@@ -516,8 +516,8 @@
         </p:nvSpPr>
         <p:spPr bwMode="auto">
           <a:xfrm>
-            <a:off x="4146550" y="1"/>
-            <a:ext cx="3168650" cy="479425"/>
+            <a:off x="5442347" y="1"/>
+            <a:ext cx="4158853" cy="365276"/>
           </a:xfrm>
           <a:prstGeom prst="rect">
             <a:avLst/>
@@ -564,8 +564,8 @@
         </p:nvSpPr>
         <p:spPr bwMode="auto">
           <a:xfrm>
-            <a:off x="1257300" y="720725"/>
-            <a:ext cx="4800600" cy="3600450"/>
+            <a:off x="2971800" y="549275"/>
+            <a:ext cx="3657600" cy="2743200"/>
           </a:xfrm>
           <a:prstGeom prst="rect">
             <a:avLst/>
@@ -593,8 +593,8 @@
         </p:nvSpPr>
         <p:spPr bwMode="auto">
           <a:xfrm>
-            <a:off x="974726" y="4560890"/>
-            <a:ext cx="5365750" cy="4319587"/>
+            <a:off x="1279328" y="3474964"/>
+            <a:ext cx="7042547" cy="3291114"/>
           </a:xfrm>
           <a:prstGeom prst="rect">
             <a:avLst/>
@@ -664,8 +664,8 @@
         </p:nvSpPr>
         <p:spPr bwMode="auto">
           <a:xfrm>
-            <a:off x="1" y="9121776"/>
-            <a:ext cx="3168650" cy="479425"/>
+            <a:off x="1" y="6949925"/>
+            <a:ext cx="4158853" cy="365276"/>
           </a:xfrm>
           <a:prstGeom prst="rect">
             <a:avLst/>
@@ -712,8 +712,8 @@
         </p:nvSpPr>
         <p:spPr bwMode="auto">
           <a:xfrm>
-            <a:off x="4146550" y="9121776"/>
-            <a:ext cx="3168650" cy="479425"/>
+            <a:off x="5442347" y="6949925"/>
+            <a:ext cx="4158853" cy="365276"/>
           </a:xfrm>
           <a:prstGeom prst="rect">
             <a:avLst/>
@@ -2919,8 +2919,8 @@
         </p:nvSpPr>
         <p:spPr bwMode="auto">
           <a:xfrm>
-            <a:off x="4146550" y="9121775"/>
-            <a:ext cx="3168650" cy="479425"/>
+            <a:off x="5442347" y="6949924"/>
+            <a:ext cx="4158853" cy="365276"/>
           </a:xfrm>
           <a:prstGeom prst="rect">
             <a:avLst/>
@@ -3691,7 +3691,7 @@
             </a:r>
             <a:r>
               <a:rPr lang="en-US" dirty="0" smtClean="0"/>
-              <a:t>12W.</a:t>
+              <a:t>11M.</a:t>
             </a:r>
             <a:fld id="{85CCA5FA-7AF2-4FFE-B037-37D536B56AFE}" type="slidenum">
               <a:rPr lang="en-US" smtClean="0"/>
@@ -3841,7 +3841,11 @@
             </a:r>
             <a:r>
               <a:rPr lang="en-US" dirty="0" smtClean="0"/>
-              <a:t> 12W.</a:t>
+              <a:t> </a:t>
+            </a:r>
+            <a:r>
+              <a:rPr lang="en-US" dirty="0" smtClean="0"/>
+              <a:t>11M.</a:t>
             </a:r>
             <a:fld id="{167FB316-D213-489C-8FDE-91E3356C5A60}" type="slidenum">
               <a:rPr lang="en-US" smtClean="0"/>
@@ -3939,7 +3943,11 @@
             </a:r>
             <a:r>
               <a:rPr lang="en-US" dirty="0" smtClean="0"/>
-              <a:t> 12W.</a:t>
+              <a:t> </a:t>
+            </a:r>
+            <a:r>
+              <a:rPr lang="en-US" dirty="0" smtClean="0"/>
+              <a:t>11M.</a:t>
             </a:r>
             <a:fld id="{A585D087-0720-40C8-BCB9-442D95888E3B}" type="slidenum">
               <a:rPr lang="en-US" smtClean="0"/>
@@ -4014,7 +4022,11 @@
             </a:r>
             <a:r>
               <a:rPr lang="en-US" dirty="0" smtClean="0"/>
-              <a:t> 12W.</a:t>
+              <a:t> </a:t>
+            </a:r>
+            <a:r>
+              <a:rPr lang="en-US" dirty="0" smtClean="0"/>
+              <a:t>11M.</a:t>
             </a:r>
             <a:fld id="{3E6AFCB8-BCAF-493D-8357-CF426FD28108}" type="slidenum">
               <a:rPr lang="en-US" smtClean="0"/>
@@ -4248,7 +4260,11 @@
             </a:r>
             <a:r>
               <a:rPr lang="en-US" dirty="0" smtClean="0"/>
-              <a:t> 12W.</a:t>
+              <a:t> </a:t>
+            </a:r>
+            <a:r>
+              <a:rPr lang="en-US" dirty="0" smtClean="0"/>
+              <a:t>11M.</a:t>
             </a:r>
             <a:fld id="{11D69C3C-9102-4DF1-90D9-901407515A97}" type="slidenum">
               <a:rPr lang="en-US" smtClean="0"/>
@@ -4462,7 +4478,11 @@
             </a:r>
             <a:r>
               <a:rPr lang="en-US" dirty="0" smtClean="0"/>
-              <a:t> 12W.</a:t>
+              <a:t> </a:t>
+            </a:r>
+            <a:r>
+              <a:rPr lang="en-US" dirty="0" smtClean="0"/>
+              <a:t>11M.</a:t>
             </a:r>
             <a:fld id="{17233D2A-0857-4415-88C1-423492E69A26}" type="slidenum">
               <a:rPr lang="en-US" smtClean="0"/>
@@ -4558,7 +4578,37 @@
                 <a:uFillTx/>
                 <a:latin typeface="Comic Sans MS" pitchFamily="66" charset="0"/>
               </a:rPr>
-              <a:t>Albert R Meyer,             November 23, 2011</a:t>
+              <a:t>Albert R Meyer,             </a:t>
+            </a:r>
+            <a:r>
+              <a:rPr kumimoji="0" lang="en-US" sz="1200" b="0" i="0" u="none" strike="noStrike" kern="1200" cap="none" spc="0" normalizeH="0" baseline="0" noProof="0" dirty="0" smtClean="0">
+                <a:ln>
+                  <a:noFill/>
+                </a:ln>
+                <a:solidFill>
+                  <a:schemeClr val="tx1"/>
+                </a:solidFill>
+                <a:effectLst/>
+                <a:uLnTx/>
+                <a:uFillTx/>
+                <a:latin typeface="Comic Sans MS" pitchFamily="66" charset="0"/>
+              </a:rPr>
+              <a:t>April </a:t>
+            </a:r>
+            <a:r>
+              <a:rPr kumimoji="0" lang="en-US" sz="1200" b="0" i="0" u="none" strike="noStrike" kern="1200" cap="none" spc="0" normalizeH="0" baseline="0" noProof="0" dirty="0" smtClean="0">
+                <a:ln>
+                  <a:noFill/>
+                </a:ln>
+                <a:solidFill>
+                  <a:schemeClr val="tx1"/>
+                </a:solidFill>
+                <a:effectLst/>
+                <a:uLnTx/>
+                <a:uFillTx/>
+                <a:latin typeface="Comic Sans MS" pitchFamily="66" charset="0"/>
+              </a:rPr>
+              <a:t>23, 2011</a:t>
             </a:r>
             <a:endParaRPr kumimoji="0" lang="en-US" sz="1200" b="0" i="0" u="none" strike="noStrike" kern="1200" cap="none" spc="0" normalizeH="0" baseline="0" noProof="0" dirty="0">
               <a:ln>
@@ -5026,7 +5076,11 @@
             </a:r>
             <a:r>
               <a:rPr lang="en-US" dirty="0" smtClean="0"/>
-              <a:t> 12W.</a:t>
+              <a:t> </a:t>
+            </a:r>
+            <a:r>
+              <a:rPr lang="en-US" dirty="0" smtClean="0"/>
+              <a:t>11M.</a:t>
             </a:r>
             <a:fld id="{B20F91F6-F4EE-490C-AA68-F15A44211122}" type="slidenum">
               <a:rPr lang="en-US" smtClean="0"/>
@@ -5255,7 +5309,11 @@
             </a:r>
             <a:r>
               <a:rPr lang="en-US" dirty="0" smtClean="0"/>
-              <a:t> 12W.</a:t>
+              <a:t> </a:t>
+            </a:r>
+            <a:r>
+              <a:rPr lang="en-US" dirty="0" smtClean="0"/>
+              <a:t>11M.</a:t>
             </a:r>
             <a:fld id="{167FB316-D213-489C-8FDE-91E3356C5A60}" type="slidenum">
               <a:rPr lang="en-US" smtClean="0"/>
@@ -5284,7 +5342,7 @@
           <a:graphicData uri="http://schemas.openxmlformats.org/presentationml/2006/ole">
             <mc:AlternateContent xmlns:mc="http://schemas.openxmlformats.org/markup-compatibility/2006">
               <mc:Choice xmlns:v="urn:schemas-microsoft-com:vml" Requires="v">
-                <p:oleObj spid="_x0000_s81987" name="Equation" r:id="rId3" imgW="3454200" imgH="1396800" progId="Equation.DSMT4">
+                <p:oleObj spid="_x0000_s82005" name="Equation" r:id="rId3" imgW="3454200" imgH="1396800" progId="Equation.DSMT4">
                   <p:embed/>
                 </p:oleObj>
               </mc:Choice>
@@ -5472,7 +5530,7 @@
           <a:graphicData uri="http://schemas.openxmlformats.org/presentationml/2006/ole">
             <mc:AlternateContent xmlns:mc="http://schemas.openxmlformats.org/markup-compatibility/2006">
               <mc:Choice xmlns:v="urn:schemas-microsoft-com:vml" Requires="v">
-                <p:oleObj spid="_x0000_s81988" name="Equation" r:id="rId5" imgW="2895480" imgH="647640" progId="Equation.DSMT4">
+                <p:oleObj spid="_x0000_s82006" name="Equation" r:id="rId5" imgW="2895480" imgH="647640" progId="Equation.DSMT4">
                   <p:embed/>
                 </p:oleObj>
               </mc:Choice>
@@ -5542,7 +5600,7 @@
           <a:graphicData uri="http://schemas.openxmlformats.org/presentationml/2006/ole">
             <mc:AlternateContent xmlns:mc="http://schemas.openxmlformats.org/markup-compatibility/2006">
               <mc:Choice xmlns:v="urn:schemas-microsoft-com:vml" Requires="v">
-                <p:oleObj spid="_x0000_s81989" name="Equation" r:id="rId7" imgW="1295280" imgH="609480" progId="Equation.DSMT4">
+                <p:oleObj spid="_x0000_s82007" name="Equation" r:id="rId7" imgW="1295280" imgH="609480" progId="Equation.DSMT4">
                   <p:embed/>
                 </p:oleObj>
               </mc:Choice>
@@ -5612,7 +5670,7 @@
           <a:graphicData uri="http://schemas.openxmlformats.org/presentationml/2006/ole">
             <mc:AlternateContent xmlns:mc="http://schemas.openxmlformats.org/markup-compatibility/2006">
               <mc:Choice xmlns:v="urn:schemas-microsoft-com:vml" Requires="v">
-                <p:oleObj spid="_x0000_s81990" name="Equation" r:id="rId9" imgW="1295280" imgH="609480" progId="Equation.DSMT4">
+                <p:oleObj spid="_x0000_s82008" name="Equation" r:id="rId9" imgW="1295280" imgH="609480" progId="Equation.DSMT4">
                   <p:embed/>
                 </p:oleObj>
               </mc:Choice>
@@ -5682,7 +5740,7 @@
           <a:graphicData uri="http://schemas.openxmlformats.org/presentationml/2006/ole">
             <mc:AlternateContent xmlns:mc="http://schemas.openxmlformats.org/markup-compatibility/2006">
               <mc:Choice xmlns:v="urn:schemas-microsoft-com:vml" Requires="v">
-                <p:oleObj spid="_x0000_s81991" name="Equation" r:id="rId11" imgW="1295280" imgH="622080" progId="Equation.DSMT4">
+                <p:oleObj spid="_x0000_s82009" name="Equation" r:id="rId11" imgW="1295280" imgH="622080" progId="Equation.DSMT4">
                   <p:embed/>
                 </p:oleObj>
               </mc:Choice>
@@ -5752,7 +5810,7 @@
           <a:graphicData uri="http://schemas.openxmlformats.org/presentationml/2006/ole">
             <mc:AlternateContent xmlns:mc="http://schemas.openxmlformats.org/markup-compatibility/2006">
               <mc:Choice xmlns:v="urn:schemas-microsoft-com:vml" Requires="v">
-                <p:oleObj spid="_x0000_s81992" name="Equation" r:id="rId13" imgW="1892160" imgH="1346040" progId="Equation.DSMT4">
+                <p:oleObj spid="_x0000_s82010" name="Equation" r:id="rId13" imgW="1892160" imgH="1346040" progId="Equation.DSMT4">
                   <p:embed/>
                 </p:oleObj>
               </mc:Choice>
@@ -5836,7 +5894,7 @@
             <a:graphicData uri="http://schemas.openxmlformats.org/presentationml/2006/ole">
               <mc:AlternateContent xmlns:mc="http://schemas.openxmlformats.org/markup-compatibility/2006">
                 <mc:Choice xmlns:v="urn:schemas-microsoft-com:vml" Requires="v">
-                  <p:oleObj spid="_x0000_s81993" name="Equation" r:id="rId15" imgW="545760" imgH="3124080" progId="Equation.DSMT4">
+                  <p:oleObj spid="_x0000_s82011" name="Equation" r:id="rId15" imgW="545760" imgH="3124080" progId="Equation.DSMT4">
                     <p:embed/>
                   </p:oleObj>
                 </mc:Choice>
@@ -5906,7 +5964,7 @@
             <a:graphicData uri="http://schemas.openxmlformats.org/presentationml/2006/ole">
               <mc:AlternateContent xmlns:mc="http://schemas.openxmlformats.org/markup-compatibility/2006">
                 <mc:Choice xmlns:v="urn:schemas-microsoft-com:vml" Requires="v">
-                  <p:oleObj spid="_x0000_s81994" name="Equation" r:id="rId17" imgW="4076640" imgH="660240" progId="Equation.DSMT4">
+                  <p:oleObj spid="_x0000_s82012" name="Equation" r:id="rId17" imgW="4076640" imgH="660240" progId="Equation.DSMT4">
                     <p:embed/>
                   </p:oleObj>
                 </mc:Choice>
@@ -6609,7 +6667,11 @@
             </a:r>
             <a:r>
               <a:rPr lang="en-US" dirty="0" smtClean="0"/>
-              <a:t> 12W.</a:t>
+              <a:t> </a:t>
+            </a:r>
+            <a:r>
+              <a:rPr lang="en-US" dirty="0" smtClean="0"/>
+              <a:t>11M.</a:t>
             </a:r>
             <a:fld id="{167FB316-D213-489C-8FDE-91E3356C5A60}" type="slidenum">
               <a:rPr lang="en-US" smtClean="0"/>
@@ -6644,7 +6706,7 @@
           <a:graphicData uri="http://schemas.openxmlformats.org/presentationml/2006/ole">
             <mc:AlternateContent xmlns:mc="http://schemas.openxmlformats.org/markup-compatibility/2006">
               <mc:Choice xmlns:v="urn:schemas-microsoft-com:vml" Requires="v">
-                <p:oleObj spid="_x0000_s82965" name="Equation" r:id="rId4" imgW="5499100" imgH="1968500" progId="Equation.3">
+                <p:oleObj spid="_x0000_s82969" name="Equation" r:id="rId4" imgW="5499100" imgH="1968500" progId="Equation.3">
                   <p:embed/>
                 </p:oleObj>
               </mc:Choice>
@@ -6848,7 +6910,7 @@
           <a:graphicData uri="http://schemas.openxmlformats.org/presentationml/2006/ole">
             <mc:AlternateContent xmlns:mc="http://schemas.openxmlformats.org/markup-compatibility/2006">
               <mc:Choice xmlns:v="urn:schemas-microsoft-com:vml" Requires="v">
-                <p:oleObj spid="_x0000_s135208" name="Equation" r:id="rId4" imgW="8013700" imgH="1562100" progId="Equation.DSMT4">
+                <p:oleObj spid="_x0000_s135218" name="Equation" r:id="rId4" imgW="8013700" imgH="1562100" progId="Equation.DSMT4">
                   <p:embed/>
                 </p:oleObj>
               </mc:Choice>
@@ -6918,7 +6980,7 @@
           <a:graphicData uri="http://schemas.openxmlformats.org/presentationml/2006/ole">
             <mc:AlternateContent xmlns:mc="http://schemas.openxmlformats.org/markup-compatibility/2006">
               <mc:Choice xmlns:v="urn:schemas-microsoft-com:vml" Requires="v">
-                <p:oleObj spid="_x0000_s135209" name="Equation" r:id="rId6" imgW="8280400" imgH="1574800" progId="Equation.3">
+                <p:oleObj spid="_x0000_s135219" name="Equation" r:id="rId6" imgW="8280400" imgH="1574800" progId="Equation.3">
                   <p:embed/>
                 </p:oleObj>
               </mc:Choice>
@@ -7035,7 +7097,11 @@
             </a:r>
             <a:r>
               <a:rPr lang="en-US" dirty="0" smtClean="0"/>
-              <a:t> 12W.</a:t>
+              <a:t> </a:t>
+            </a:r>
+            <a:r>
+              <a:rPr lang="en-US" dirty="0" smtClean="0"/>
+              <a:t>11M.</a:t>
             </a:r>
             <a:fld id="{167FB316-D213-489C-8FDE-91E3356C5A60}" type="slidenum">
               <a:rPr lang="en-US" smtClean="0"/>
@@ -7070,7 +7136,7 @@
           <a:graphicData uri="http://schemas.openxmlformats.org/presentationml/2006/ole">
             <mc:AlternateContent xmlns:mc="http://schemas.openxmlformats.org/markup-compatibility/2006">
               <mc:Choice xmlns:v="urn:schemas-microsoft-com:vml" Requires="v">
-                <p:oleObj spid="_x0000_s135210" name="Equation" r:id="rId8" imgW="5168900" imgH="1574800" progId="Equation.3">
+                <p:oleObj spid="_x0000_s135220" name="Equation" r:id="rId8" imgW="5168900" imgH="1574800" progId="Equation.3">
                   <p:embed/>
                 </p:oleObj>
               </mc:Choice>
@@ -7140,7 +7206,7 @@
           <a:graphicData uri="http://schemas.openxmlformats.org/presentationml/2006/ole">
             <mc:AlternateContent xmlns:mc="http://schemas.openxmlformats.org/markup-compatibility/2006">
               <mc:Choice xmlns:v="urn:schemas-microsoft-com:vml" Requires="v">
-                <p:oleObj spid="_x0000_s135211" name="Equation" r:id="rId10" imgW="7632700" imgH="1511300" progId="Equation.3">
+                <p:oleObj spid="_x0000_s135221" name="Equation" r:id="rId10" imgW="7632700" imgH="1511300" progId="Equation.3">
                   <p:embed/>
                 </p:oleObj>
               </mc:Choice>
@@ -7698,7 +7764,11 @@
             </a:r>
             <a:r>
               <a:rPr lang="en-US" dirty="0" smtClean="0"/>
-              <a:t> 12W.</a:t>
+              <a:t> </a:t>
+            </a:r>
+            <a:r>
+              <a:rPr lang="en-US" dirty="0" smtClean="0"/>
+              <a:t>11M.</a:t>
             </a:r>
             <a:fld id="{A585D087-0720-40C8-BCB9-442D95888E3B}" type="slidenum">
               <a:rPr lang="en-US" smtClean="0"/>
@@ -7733,7 +7803,7 @@
           <a:graphicData uri="http://schemas.openxmlformats.org/presentationml/2006/ole">
             <mc:AlternateContent xmlns:mc="http://schemas.openxmlformats.org/markup-compatibility/2006">
               <mc:Choice xmlns:v="urn:schemas-microsoft-com:vml" Requires="v">
-                <p:oleObj spid="_x0000_s83991" name="Equation" r:id="rId4" imgW="7251700" imgH="1092200" progId="Equation.3">
+                <p:oleObj spid="_x0000_s83997" name="Equation" r:id="rId4" imgW="7251700" imgH="1092200" progId="Equation.3">
                   <p:embed/>
                 </p:oleObj>
               </mc:Choice>
@@ -7797,7 +7867,7 @@
           <a:graphicData uri="http://schemas.openxmlformats.org/presentationml/2006/ole">
             <mc:AlternateContent xmlns:mc="http://schemas.openxmlformats.org/markup-compatibility/2006">
               <mc:Choice xmlns:v="urn:schemas-microsoft-com:vml" Requires="v">
-                <p:oleObj spid="_x0000_s83992" name="Equation" r:id="rId6" imgW="3390840" imgH="1269720" progId="Equation.DSMT4">
+                <p:oleObj spid="_x0000_s83998" name="Equation" r:id="rId6" imgW="3390840" imgH="1269720" progId="Equation.DSMT4">
                   <p:embed/>
                 </p:oleObj>
               </mc:Choice>
@@ -8052,7 +8122,11 @@
             </a:r>
             <a:r>
               <a:rPr lang="en-US" dirty="0" smtClean="0"/>
-              <a:t> 12W.</a:t>
+              <a:t> </a:t>
+            </a:r>
+            <a:r>
+              <a:rPr lang="en-US" dirty="0" smtClean="0"/>
+              <a:t>11M.</a:t>
             </a:r>
             <a:fld id="{A585D087-0720-40C8-BCB9-442D95888E3B}" type="slidenum">
               <a:rPr lang="en-US" smtClean="0"/>
@@ -8081,7 +8155,7 @@
           <a:graphicData uri="http://schemas.openxmlformats.org/presentationml/2006/ole">
             <mc:AlternateContent xmlns:mc="http://schemas.openxmlformats.org/markup-compatibility/2006">
               <mc:Choice xmlns:v="urn:schemas-microsoft-com:vml" Requires="v">
-                <p:oleObj spid="_x0000_s85020" name="Equation" r:id="rId4" imgW="3479760" imgH="1269720" progId="Equation.DSMT4">
+                <p:oleObj spid="_x0000_s85028" name="Equation" r:id="rId4" imgW="3479760" imgH="1269720" progId="Equation.DSMT4">
                   <p:embed/>
                 </p:oleObj>
               </mc:Choice>
@@ -8151,7 +8225,7 @@
           <a:graphicData uri="http://schemas.openxmlformats.org/presentationml/2006/ole">
             <mc:AlternateContent xmlns:mc="http://schemas.openxmlformats.org/markup-compatibility/2006">
               <mc:Choice xmlns:v="urn:schemas-microsoft-com:vml" Requires="v">
-                <p:oleObj spid="_x0000_s85021" name="Equation" r:id="rId6" imgW="3251160" imgH="1269720" progId="Equation.DSMT4">
+                <p:oleObj spid="_x0000_s85029" name="Equation" r:id="rId6" imgW="3251160" imgH="1269720" progId="Equation.DSMT4">
                   <p:embed/>
                 </p:oleObj>
               </mc:Choice>
@@ -8221,7 +8295,7 @@
           <a:graphicData uri="http://schemas.openxmlformats.org/presentationml/2006/ole">
             <mc:AlternateContent xmlns:mc="http://schemas.openxmlformats.org/markup-compatibility/2006">
               <mc:Choice xmlns:v="urn:schemas-microsoft-com:vml" Requires="v">
-                <p:oleObj spid="_x0000_s85022" name="Equation" r:id="rId8" imgW="3504960" imgH="1346040" progId="Equation.DSMT4">
+                <p:oleObj spid="_x0000_s85030" name="Equation" r:id="rId8" imgW="3504960" imgH="1346040" progId="Equation.DSMT4">
                   <p:embed/>
                 </p:oleObj>
               </mc:Choice>
@@ -8617,7 +8691,11 @@
             </a:r>
             <a:r>
               <a:rPr lang="en-US" dirty="0" smtClean="0"/>
-              <a:t> 12W.</a:t>
+              <a:t> </a:t>
+            </a:r>
+            <a:r>
+              <a:rPr lang="en-US" dirty="0" smtClean="0"/>
+              <a:t>11M.</a:t>
             </a:r>
             <a:fld id="{A585D087-0720-40C8-BCB9-442D95888E3B}" type="slidenum">
               <a:rPr lang="en-US" smtClean="0"/>
@@ -8810,7 +8888,7 @@
           <a:graphicData uri="http://schemas.openxmlformats.org/presentationml/2006/ole">
             <mc:AlternateContent xmlns:mc="http://schemas.openxmlformats.org/markup-compatibility/2006">
               <mc:Choice xmlns:v="urn:schemas-microsoft-com:vml" Requires="v">
-                <p:oleObj spid="_x0000_s181276" name="Equation" r:id="rId3" imgW="165100" imgH="673100" progId="Equation.DSMT4">
+                <p:oleObj spid="_x0000_s181282" name="Equation" r:id="rId3" imgW="165100" imgH="673100" progId="Equation.DSMT4">
                   <p:embed/>
                 </p:oleObj>
               </mc:Choice>
@@ -9088,7 +9166,7 @@
           <a:graphicData uri="http://schemas.openxmlformats.org/presentationml/2006/ole">
             <mc:AlternateContent xmlns:mc="http://schemas.openxmlformats.org/markup-compatibility/2006">
               <mc:Choice xmlns:v="urn:schemas-microsoft-com:vml" Requires="v">
-                <p:oleObj spid="_x0000_s181277" name="Equation" r:id="rId5" imgW="165100" imgH="673100" progId="Equation.DSMT4">
+                <p:oleObj spid="_x0000_s181283" name="Equation" r:id="rId5" imgW="165100" imgH="673100" progId="Equation.DSMT4">
                   <p:embed/>
                 </p:oleObj>
               </mc:Choice>
@@ -9742,7 +9820,11 @@
             </a:r>
             <a:r>
               <a:rPr lang="en-US" dirty="0" smtClean="0"/>
-              <a:t> 12W.</a:t>
+              <a:t> </a:t>
+            </a:r>
+            <a:r>
+              <a:rPr lang="en-US" dirty="0" smtClean="0"/>
+              <a:t>11M.</a:t>
             </a:r>
             <a:fld id="{A585D087-0720-40C8-BCB9-442D95888E3B}" type="slidenum">
               <a:rPr lang="en-US" smtClean="0"/>
@@ -10350,7 +10432,11 @@
             </a:r>
             <a:r>
               <a:rPr lang="en-US" dirty="0" smtClean="0"/>
-              <a:t> 12W.</a:t>
+              <a:t> </a:t>
+            </a:r>
+            <a:r>
+              <a:rPr lang="en-US" dirty="0" smtClean="0"/>
+              <a:t>11M.</a:t>
             </a:r>
             <a:fld id="{A585D087-0720-40C8-BCB9-442D95888E3B}" type="slidenum">
               <a:rPr lang="en-US" smtClean="0"/>
@@ -10421,7 +10507,7 @@
           <a:graphicData uri="http://schemas.openxmlformats.org/presentationml/2006/ole">
             <mc:AlternateContent xmlns:mc="http://schemas.openxmlformats.org/markup-compatibility/2006">
               <mc:Choice xmlns:v="urn:schemas-microsoft-com:vml" Requires="v">
-                <p:oleObj spid="_x0000_s164877" name="Equation" r:id="rId3" imgW="8013700" imgH="939800" progId="Equation.DSMT4">
+                <p:oleObj spid="_x0000_s164881" name="Equation" r:id="rId3" imgW="8013700" imgH="939800" progId="Equation.DSMT4">
                   <p:embed/>
                 </p:oleObj>
               </mc:Choice>
@@ -10742,7 +10828,11 @@
             </a:r>
             <a:r>
               <a:rPr lang="en-US" dirty="0" smtClean="0"/>
-              <a:t> 12W.</a:t>
+              <a:t> </a:t>
+            </a:r>
+            <a:r>
+              <a:rPr lang="en-US" dirty="0" smtClean="0"/>
+              <a:t>11M.</a:t>
             </a:r>
             <a:fld id="{A585D087-0720-40C8-BCB9-442D95888E3B}" type="slidenum">
               <a:rPr lang="en-US" smtClean="0"/>
@@ -10883,7 +10973,7 @@
           <a:graphicData uri="http://schemas.openxmlformats.org/presentationml/2006/ole">
             <mc:AlternateContent xmlns:mc="http://schemas.openxmlformats.org/markup-compatibility/2006">
               <mc:Choice xmlns:v="urn:schemas-microsoft-com:vml" Requires="v">
-                <p:oleObj spid="_x0000_s230438" name="Equation" r:id="rId3" imgW="7543800" imgH="939800" progId="Equation.3">
+                <p:oleObj spid="_x0000_s230446" name="Equation" r:id="rId3" imgW="7543800" imgH="939800" progId="Equation.3">
                   <p:embed/>
                 </p:oleObj>
               </mc:Choice>
@@ -10944,7 +11034,7 @@
           <a:graphicData uri="http://schemas.openxmlformats.org/presentationml/2006/ole">
             <mc:AlternateContent xmlns:mc="http://schemas.openxmlformats.org/markup-compatibility/2006">
               <mc:Choice xmlns:v="urn:schemas-microsoft-com:vml" Requires="v">
-                <p:oleObj spid="_x0000_s230439" name="Equation" r:id="rId5" imgW="8178800" imgH="774700" progId="Equation.3">
+                <p:oleObj spid="_x0000_s230447" name="Equation" r:id="rId5" imgW="8178800" imgH="774700" progId="Equation.3">
                   <p:embed/>
                 </p:oleObj>
               </mc:Choice>
@@ -11005,7 +11095,7 @@
           <a:graphicData uri="http://schemas.openxmlformats.org/presentationml/2006/ole">
             <mc:AlternateContent xmlns:mc="http://schemas.openxmlformats.org/markup-compatibility/2006">
               <mc:Choice xmlns:v="urn:schemas-microsoft-com:vml" Requires="v">
-                <p:oleObj spid="_x0000_s230440" name="Equation" r:id="rId7" imgW="7810500" imgH="762000" progId="Equation.DSMT4">
+                <p:oleObj spid="_x0000_s230448" name="Equation" r:id="rId7" imgW="7810500" imgH="762000" progId="Equation.DSMT4">
                   <p:embed/>
                 </p:oleObj>
               </mc:Choice>
@@ -11318,7 +11408,11 @@
             </a:r>
             <a:r>
               <a:rPr lang="en-US" dirty="0" smtClean="0"/>
-              <a:t> 12W.</a:t>
+              <a:t> </a:t>
+            </a:r>
+            <a:r>
+              <a:rPr lang="en-US" dirty="0" smtClean="0"/>
+              <a:t>11M.</a:t>
             </a:r>
             <a:fld id="{A585D087-0720-40C8-BCB9-442D95888E3B}" type="slidenum">
               <a:rPr lang="en-US" smtClean="0"/>
@@ -11498,7 +11592,7 @@
           <a:graphicData uri="http://schemas.openxmlformats.org/presentationml/2006/ole">
             <mc:AlternateContent xmlns:mc="http://schemas.openxmlformats.org/markup-compatibility/2006">
               <mc:Choice xmlns:v="urn:schemas-microsoft-com:vml" Requires="v">
-                <p:oleObj spid="_x0000_s320526" name="Equation" r:id="rId3" imgW="762000" imgH="469900" progId="Equation.DSMT4">
+                <p:oleObj spid="_x0000_s320530" name="Equation" r:id="rId3" imgW="762000" imgH="469900" progId="Equation.DSMT4">
                   <p:embed/>
                 </p:oleObj>
               </mc:Choice>
@@ -11792,7 +11886,7 @@
           <a:graphicData uri="http://schemas.openxmlformats.org/presentationml/2006/ole">
             <mc:AlternateContent xmlns:mc="http://schemas.openxmlformats.org/markup-compatibility/2006">
               <mc:Choice xmlns:v="urn:schemas-microsoft-com:vml" Requires="v">
-                <p:oleObj spid="_x0000_s251935" name="Equation" r:id="rId4" imgW="2159000" imgH="241300" progId="Equation.DSMT4">
+                <p:oleObj spid="_x0000_s251943" name="Equation" r:id="rId4" imgW="2159000" imgH="241300" progId="Equation.DSMT4">
                   <p:embed/>
                 </p:oleObj>
               </mc:Choice>
@@ -11873,7 +11967,11 @@
             </a:r>
             <a:r>
               <a:rPr lang="en-US" dirty="0" smtClean="0"/>
-              <a:t> 12W.</a:t>
+              <a:t> </a:t>
+            </a:r>
+            <a:r>
+              <a:rPr lang="en-US" dirty="0" smtClean="0"/>
+              <a:t>11M.</a:t>
             </a:r>
             <a:fld id="{B20F91F6-F4EE-490C-AA68-F15A44211122}" type="slidenum">
               <a:rPr lang="en-US" smtClean="0"/>
@@ -11900,7 +11998,7 @@
           <a:graphicData uri="http://schemas.openxmlformats.org/presentationml/2006/ole">
             <mc:AlternateContent xmlns:mc="http://schemas.openxmlformats.org/markup-compatibility/2006">
               <mc:Choice xmlns:v="urn:schemas-microsoft-com:vml" Requires="v">
-                <p:oleObj spid="_x0000_s251936" name="Equation" r:id="rId6" imgW="647700" imgH="215900" progId="Equation.DSMT4">
+                <p:oleObj spid="_x0000_s251944" name="Equation" r:id="rId6" imgW="647700" imgH="215900" progId="Equation.DSMT4">
                   <p:embed/>
                 </p:oleObj>
               </mc:Choice>
@@ -11970,7 +12068,7 @@
           <a:graphicData uri="http://schemas.openxmlformats.org/presentationml/2006/ole">
             <mc:AlternateContent xmlns:mc="http://schemas.openxmlformats.org/markup-compatibility/2006">
               <mc:Choice xmlns:v="urn:schemas-microsoft-com:vml" Requires="v">
-                <p:oleObj spid="_x0000_s251937" name="Equation" r:id="rId8" imgW="1244600" imgH="241300" progId="Equation.DSMT4">
+                <p:oleObj spid="_x0000_s251945" name="Equation" r:id="rId8" imgW="1244600" imgH="241300" progId="Equation.DSMT4">
                   <p:embed/>
                 </p:oleObj>
               </mc:Choice>
@@ -12290,7 +12388,11 @@
             </a:r>
             <a:r>
               <a:rPr lang="en-US" dirty="0" smtClean="0"/>
-              <a:t> 12W.</a:t>
+              <a:t> </a:t>
+            </a:r>
+            <a:r>
+              <a:rPr lang="en-US" dirty="0" smtClean="0"/>
+              <a:t>11M.</a:t>
             </a:r>
             <a:fld id="{A585D087-0720-40C8-BCB9-442D95888E3B}" type="slidenum">
               <a:rPr lang="en-US" smtClean="0"/>
@@ -12560,7 +12662,11 @@
             </a:r>
             <a:r>
               <a:rPr lang="en-US" dirty="0" smtClean="0"/>
-              <a:t> 12W.</a:t>
+              <a:t> </a:t>
+            </a:r>
+            <a:r>
+              <a:rPr lang="en-US" dirty="0" smtClean="0"/>
+              <a:t>11M.</a:t>
             </a:r>
             <a:fld id="{A585D087-0720-40C8-BCB9-442D95888E3B}" type="slidenum">
               <a:rPr lang="en-US" smtClean="0"/>
@@ -12619,7 +12725,7 @@
           <a:graphicData uri="http://schemas.openxmlformats.org/presentationml/2006/ole">
             <mc:AlternateContent xmlns:mc="http://schemas.openxmlformats.org/markup-compatibility/2006">
               <mc:Choice xmlns:v="urn:schemas-microsoft-com:vml" Requires="v">
-                <p:oleObj spid="_x0000_s88106" name="Equation" r:id="rId4" imgW="990360" imgH="571320" progId="Equation.DSMT4">
+                <p:oleObj spid="_x0000_s88116" name="Equation" r:id="rId4" imgW="990360" imgH="571320" progId="Equation.DSMT4">
                   <p:embed/>
                 </p:oleObj>
               </mc:Choice>
@@ -12695,7 +12801,7 @@
           <a:graphicData uri="http://schemas.openxmlformats.org/presentationml/2006/ole">
             <mc:AlternateContent xmlns:mc="http://schemas.openxmlformats.org/markup-compatibility/2006">
               <mc:Choice xmlns:v="urn:schemas-microsoft-com:vml" Requires="v">
-                <p:oleObj spid="_x0000_s88107" name="Equation" r:id="rId6" imgW="2095500" imgH="2006600" progId="Equation.3">
+                <p:oleObj spid="_x0000_s88117" name="Equation" r:id="rId6" imgW="2095500" imgH="2006600" progId="Equation.3">
                   <p:embed/>
                 </p:oleObj>
               </mc:Choice>
@@ -12784,7 +12890,7 @@
           <a:graphicData uri="http://schemas.openxmlformats.org/presentationml/2006/ole">
             <mc:AlternateContent xmlns:mc="http://schemas.openxmlformats.org/markup-compatibility/2006">
               <mc:Choice xmlns:v="urn:schemas-microsoft-com:vml" Requires="v">
-                <p:oleObj spid="_x0000_s88108" name="Equation" r:id="rId8" imgW="4609800" imgH="1231560" progId="Equation.DSMT4">
+                <p:oleObj spid="_x0000_s88118" name="Equation" r:id="rId8" imgW="4609800" imgH="1231560" progId="Equation.DSMT4">
                   <p:embed/>
                 </p:oleObj>
               </mc:Choice>
@@ -12854,7 +12960,7 @@
           <a:graphicData uri="http://schemas.openxmlformats.org/presentationml/2006/ole">
             <mc:AlternateContent xmlns:mc="http://schemas.openxmlformats.org/markup-compatibility/2006">
               <mc:Choice xmlns:v="urn:schemas-microsoft-com:vml" Requires="v">
-                <p:oleObj spid="_x0000_s88109" name="Equation" r:id="rId10" imgW="4063680" imgH="571320" progId="Equation.DSMT4">
+                <p:oleObj spid="_x0000_s88119" name="Equation" r:id="rId10" imgW="4063680" imgH="571320" progId="Equation.DSMT4">
                   <p:embed/>
                 </p:oleObj>
               </mc:Choice>
@@ -13287,7 +13393,11 @@
             </a:r>
             <a:r>
               <a:rPr lang="en-US" dirty="0" smtClean="0"/>
-              <a:t> 12W.</a:t>
+              <a:t> </a:t>
+            </a:r>
+            <a:r>
+              <a:rPr lang="en-US" dirty="0" smtClean="0"/>
+              <a:t>11M.</a:t>
             </a:r>
             <a:fld id="{A585D087-0720-40C8-BCB9-442D95888E3B}" type="slidenum">
               <a:rPr lang="en-US" smtClean="0"/>
@@ -13316,7 +13426,7 @@
           <a:graphicData uri="http://schemas.openxmlformats.org/presentationml/2006/ole">
             <mc:AlternateContent xmlns:mc="http://schemas.openxmlformats.org/markup-compatibility/2006">
               <mc:Choice xmlns:v="urn:schemas-microsoft-com:vml" Requires="v">
-                <p:oleObj spid="_x0000_s234513" name="Equation" r:id="rId4" imgW="2222500" imgH="927100" progId="Equation.DSMT4">
+                <p:oleObj spid="_x0000_s234517" name="Equation" r:id="rId4" imgW="2222500" imgH="927100" progId="Equation.DSMT4">
                   <p:embed/>
                 </p:oleObj>
               </mc:Choice>
@@ -13739,7 +13849,11 @@
             </a:r>
             <a:r>
               <a:rPr lang="en-US" dirty="0" smtClean="0"/>
-              <a:t> 12W.</a:t>
+              <a:t> </a:t>
+            </a:r>
+            <a:r>
+              <a:rPr lang="en-US" dirty="0" smtClean="0"/>
+              <a:t>11M.</a:t>
             </a:r>
             <a:fld id="{A585D087-0720-40C8-BCB9-442D95888E3B}" type="slidenum">
               <a:rPr lang="en-US" smtClean="0"/>
@@ -13837,7 +13951,11 @@
             </a:r>
             <a:r>
               <a:rPr lang="en-US" dirty="0" smtClean="0"/>
-              <a:t> 12W.</a:t>
+              <a:t> </a:t>
+            </a:r>
+            <a:r>
+              <a:rPr lang="en-US" dirty="0" smtClean="0"/>
+              <a:t>11M.</a:t>
             </a:r>
             <a:fld id="{A585D087-0720-40C8-BCB9-442D95888E3B}" type="slidenum">
               <a:rPr lang="en-US" smtClean="0"/>
@@ -13920,7 +14038,7 @@
           <a:graphicData uri="http://schemas.openxmlformats.org/presentationml/2006/ole">
             <mc:AlternateContent xmlns:mc="http://schemas.openxmlformats.org/markup-compatibility/2006">
               <mc:Choice xmlns:v="urn:schemas-microsoft-com:vml" Requires="v">
-                <p:oleObj spid="_x0000_s235541" name="Equation" r:id="rId4" imgW="3429000" imgH="1244520" progId="Equation.DSMT4">
+                <p:oleObj spid="_x0000_s235547" name="Equation" r:id="rId4" imgW="3429000" imgH="1244520" progId="Equation.DSMT4">
                   <p:embed/>
                 </p:oleObj>
               </mc:Choice>
@@ -13990,7 +14108,7 @@
           <a:graphicData uri="http://schemas.openxmlformats.org/presentationml/2006/ole">
             <mc:AlternateContent xmlns:mc="http://schemas.openxmlformats.org/markup-compatibility/2006">
               <mc:Choice xmlns:v="urn:schemas-microsoft-com:vml" Requires="v">
-                <p:oleObj spid="_x0000_s235542" name="Equation" r:id="rId6" imgW="3429000" imgH="1244520" progId="Equation.DSMT4">
+                <p:oleObj spid="_x0000_s235548" name="Equation" r:id="rId6" imgW="3429000" imgH="1244520" progId="Equation.DSMT4">
                   <p:embed/>
                 </p:oleObj>
               </mc:Choice>
@@ -14257,7 +14375,11 @@
             </a:r>
             <a:r>
               <a:rPr lang="en-US" dirty="0" smtClean="0"/>
-              <a:t> 12W.</a:t>
+              <a:t> </a:t>
+            </a:r>
+            <a:r>
+              <a:rPr lang="en-US" dirty="0" smtClean="0"/>
+              <a:t>11M.</a:t>
             </a:r>
             <a:fld id="{A585D087-0720-40C8-BCB9-442D95888E3B}" type="slidenum">
               <a:rPr lang="en-US" smtClean="0"/>
@@ -14352,7 +14474,7 @@
           <a:graphicData uri="http://schemas.openxmlformats.org/presentationml/2006/ole">
             <mc:AlternateContent xmlns:mc="http://schemas.openxmlformats.org/markup-compatibility/2006">
               <mc:Choice xmlns:v="urn:schemas-microsoft-com:vml" Requires="v">
-                <p:oleObj spid="_x0000_s236572" name="Equation" r:id="rId4" imgW="3009600" imgH="596880" progId="Equation.DSMT4">
+                <p:oleObj spid="_x0000_s236580" name="Equation" r:id="rId4" imgW="3009600" imgH="596880" progId="Equation.DSMT4">
                   <p:embed/>
                 </p:oleObj>
               </mc:Choice>
@@ -14422,7 +14544,7 @@
           <a:graphicData uri="http://schemas.openxmlformats.org/presentationml/2006/ole">
             <mc:AlternateContent xmlns:mc="http://schemas.openxmlformats.org/markup-compatibility/2006">
               <mc:Choice xmlns:v="urn:schemas-microsoft-com:vml" Requires="v">
-                <p:oleObj spid="_x0000_s236573" name="Equation" r:id="rId6" imgW="2184120" imgH="1269720" progId="Equation.DSMT4">
+                <p:oleObj spid="_x0000_s236581" name="Equation" r:id="rId6" imgW="2184120" imgH="1269720" progId="Equation.DSMT4">
                   <p:embed/>
                 </p:oleObj>
               </mc:Choice>
@@ -14498,7 +14620,7 @@
           <a:graphicData uri="http://schemas.openxmlformats.org/presentationml/2006/ole">
             <mc:AlternateContent xmlns:mc="http://schemas.openxmlformats.org/markup-compatibility/2006">
               <mc:Choice xmlns:v="urn:schemas-microsoft-com:vml" Requires="v">
-                <p:oleObj spid="_x0000_s236574" name="Equation" r:id="rId8" imgW="4089400" imgH="1765300" progId="Equation.3">
+                <p:oleObj spid="_x0000_s236582" name="Equation" r:id="rId8" imgW="4089400" imgH="1765300" progId="Equation.3">
                   <p:embed/>
                 </p:oleObj>
               </mc:Choice>
@@ -14831,7 +14953,11 @@
             </a:r>
             <a:r>
               <a:rPr lang="en-US" dirty="0" smtClean="0"/>
-              <a:t> 12W.</a:t>
+              <a:t> </a:t>
+            </a:r>
+            <a:r>
+              <a:rPr lang="en-US" dirty="0" smtClean="0"/>
+              <a:t>11M.</a:t>
             </a:r>
             <a:fld id="{A585D087-0720-40C8-BCB9-442D95888E3B}" type="slidenum">
               <a:rPr lang="en-US" smtClean="0"/>
@@ -14926,7 +15052,7 @@
           <a:graphicData uri="http://schemas.openxmlformats.org/presentationml/2006/ole">
             <mc:AlternateContent xmlns:mc="http://schemas.openxmlformats.org/markup-compatibility/2006">
               <mc:Choice xmlns:v="urn:schemas-microsoft-com:vml" Requires="v">
-                <p:oleObj spid="_x0000_s253967" name="Equation" r:id="rId4" imgW="2184120" imgH="1523880" progId="Equation.DSMT4">
+                <p:oleObj spid="_x0000_s253971" name="Equation" r:id="rId4" imgW="2184120" imgH="1523880" progId="Equation.DSMT4">
                   <p:embed/>
                 </p:oleObj>
               </mc:Choice>
@@ -15152,7 +15278,11 @@
             </a:r>
             <a:r>
               <a:rPr lang="en-US" dirty="0" smtClean="0"/>
-              <a:t> 12W.</a:t>
+              <a:t> </a:t>
+            </a:r>
+            <a:r>
+              <a:rPr lang="en-US" dirty="0" smtClean="0"/>
+              <a:t>11M.</a:t>
             </a:r>
             <a:fld id="{A585D087-0720-40C8-BCB9-442D95888E3B}" type="slidenum">
               <a:rPr lang="en-US" smtClean="0"/>
@@ -15461,7 +15591,11 @@
             </a:r>
             <a:r>
               <a:rPr lang="en-US" dirty="0" smtClean="0"/>
-              <a:t> 12W.</a:t>
+              <a:t> </a:t>
+            </a:r>
+            <a:r>
+              <a:rPr lang="en-US" dirty="0" smtClean="0"/>
+              <a:t>11M.</a:t>
             </a:r>
             <a:fld id="{A585D087-0720-40C8-BCB9-442D95888E3B}" type="slidenum">
               <a:rPr lang="en-US" smtClean="0"/>
@@ -15544,7 +15678,7 @@
           <a:graphicData uri="http://schemas.openxmlformats.org/presentationml/2006/ole">
             <mc:AlternateContent xmlns:mc="http://schemas.openxmlformats.org/markup-compatibility/2006">
               <mc:Choice xmlns:v="urn:schemas-microsoft-com:vml" Requires="v">
-                <p:oleObj spid="_x0000_s256013" name="Equation" r:id="rId4" imgW="2476500" imgH="1600200" progId="Equation.DSMT4">
+                <p:oleObj spid="_x0000_s256017" name="Equation" r:id="rId4" imgW="2476500" imgH="1600200" progId="Equation.DSMT4">
                   <p:embed/>
                 </p:oleObj>
               </mc:Choice>
@@ -15764,7 +15898,11 @@
             </a:r>
             <a:r>
               <a:rPr lang="en-US" dirty="0" smtClean="0"/>
-              <a:t> 12W.</a:t>
+              <a:t> </a:t>
+            </a:r>
+            <a:r>
+              <a:rPr lang="en-US" dirty="0" smtClean="0"/>
+              <a:t>11M.</a:t>
             </a:r>
             <a:fld id="{A585D087-0720-40C8-BCB9-442D95888E3B}" type="slidenum">
               <a:rPr lang="en-US" smtClean="0"/>
@@ -15793,7 +15931,7 @@
           <a:graphicData uri="http://schemas.openxmlformats.org/presentationml/2006/ole">
             <mc:AlternateContent xmlns:mc="http://schemas.openxmlformats.org/markup-compatibility/2006">
               <mc:Choice xmlns:v="urn:schemas-microsoft-com:vml" Requires="v">
-                <p:oleObj spid="_x0000_s254996" name="Equation" r:id="rId4" imgW="2476500" imgH="1600200" progId="Equation.DSMT4">
+                <p:oleObj spid="_x0000_s255002" name="Equation" r:id="rId4" imgW="2476500" imgH="1600200" progId="Equation.DSMT4">
                   <p:embed/>
                 </p:oleObj>
               </mc:Choice>
@@ -15945,7 +16083,7 @@
           <a:graphicData uri="http://schemas.openxmlformats.org/presentationml/2006/ole">
             <mc:AlternateContent xmlns:mc="http://schemas.openxmlformats.org/markup-compatibility/2006">
               <mc:Choice xmlns:v="urn:schemas-microsoft-com:vml" Requires="v">
-                <p:oleObj spid="_x0000_s254997" name="Equation" r:id="rId6" imgW="2311200" imgH="1523880" progId="Equation.DSMT4">
+                <p:oleObj spid="_x0000_s255003" name="Equation" r:id="rId6" imgW="2311200" imgH="1523880" progId="Equation.DSMT4">
                   <p:embed/>
                 </p:oleObj>
               </mc:Choice>
@@ -16073,7 +16211,7 @@
           <a:graphicData uri="http://schemas.openxmlformats.org/presentationml/2006/ole">
             <mc:AlternateContent xmlns:mc="http://schemas.openxmlformats.org/markup-compatibility/2006">
               <mc:Choice xmlns:v="urn:schemas-microsoft-com:vml" Requires="v">
-                <p:oleObj spid="_x0000_s316466" name="Equation" r:id="rId4" imgW="2159000" imgH="241300" progId="Equation.DSMT4">
+                <p:oleObj spid="_x0000_s316478" name="Equation" r:id="rId4" imgW="2159000" imgH="241300" progId="Equation.DSMT4">
                   <p:embed/>
                 </p:oleObj>
               </mc:Choice>
@@ -16390,7 +16528,11 @@
             </a:r>
             <a:r>
               <a:rPr lang="en-US" dirty="0" smtClean="0"/>
-              <a:t> 12W.</a:t>
+              <a:t> </a:t>
+            </a:r>
+            <a:r>
+              <a:rPr lang="en-US" dirty="0" smtClean="0"/>
+              <a:t>11M.</a:t>
             </a:r>
             <a:fld id="{B20F91F6-F4EE-490C-AA68-F15A44211122}" type="slidenum">
               <a:rPr lang="en-US" smtClean="0"/>
@@ -16490,7 +16632,7 @@
           <a:graphicData uri="http://schemas.openxmlformats.org/presentationml/2006/ole">
             <mc:AlternateContent xmlns:mc="http://schemas.openxmlformats.org/markup-compatibility/2006">
               <mc:Choice xmlns:v="urn:schemas-microsoft-com:vml" Requires="v">
-                <p:oleObj spid="_x0000_s316467" name="Equation" r:id="rId6" imgW="647700" imgH="215900" progId="Equation.DSMT4">
+                <p:oleObj spid="_x0000_s316479" name="Equation" r:id="rId6" imgW="647700" imgH="215900" progId="Equation.DSMT4">
                   <p:embed/>
                 </p:oleObj>
               </mc:Choice>
@@ -16560,7 +16702,7 @@
           <a:graphicData uri="http://schemas.openxmlformats.org/presentationml/2006/ole">
             <mc:AlternateContent xmlns:mc="http://schemas.openxmlformats.org/markup-compatibility/2006">
               <mc:Choice xmlns:v="urn:schemas-microsoft-com:vml" Requires="v">
-                <p:oleObj spid="_x0000_s316468" name="Equation" r:id="rId8" imgW="1244600" imgH="241300" progId="Equation.DSMT4">
+                <p:oleObj spid="_x0000_s316480" name="Equation" r:id="rId8" imgW="1244600" imgH="241300" progId="Equation.DSMT4">
                   <p:embed/>
                 </p:oleObj>
               </mc:Choice>
@@ -16636,7 +16778,7 @@
           <a:graphicData uri="http://schemas.openxmlformats.org/presentationml/2006/ole">
             <mc:AlternateContent xmlns:mc="http://schemas.openxmlformats.org/markup-compatibility/2006">
               <mc:Choice xmlns:v="urn:schemas-microsoft-com:vml" Requires="v">
-                <p:oleObj spid="_x0000_s316469" name="Equation" r:id="rId10" imgW="1524000" imgH="241300" progId="Equation.DSMT4">
+                <p:oleObj spid="_x0000_s316481" name="Equation" r:id="rId10" imgW="1524000" imgH="241300" progId="Equation.DSMT4">
                   <p:embed/>
                 </p:oleObj>
               </mc:Choice>
@@ -16693,7 +16835,7 @@
           <a:graphicData uri="http://schemas.openxmlformats.org/presentationml/2006/ole">
             <mc:AlternateContent xmlns:mc="http://schemas.openxmlformats.org/markup-compatibility/2006">
               <mc:Choice xmlns:v="urn:schemas-microsoft-com:vml" Requires="v">
-                <p:oleObj spid="_x0000_s316470" name="Equation" r:id="rId12" imgW="381000" imgH="469900" progId="Equation.DSMT4">
+                <p:oleObj spid="_x0000_s316482" name="Equation" r:id="rId12" imgW="381000" imgH="469900" progId="Equation.DSMT4">
                   <p:embed/>
                 </p:oleObj>
               </mc:Choice>
@@ -17517,7 +17659,11 @@
             </a:r>
             <a:r>
               <a:rPr lang="en-US" dirty="0" smtClean="0"/>
-              <a:t> 12W.</a:t>
+              <a:t> </a:t>
+            </a:r>
+            <a:r>
+              <a:rPr lang="en-US" dirty="0" smtClean="0"/>
+              <a:t>11M.</a:t>
             </a:r>
             <a:fld id="{A585D087-0720-40C8-BCB9-442D95888E3B}" type="slidenum">
               <a:rPr lang="en-US" smtClean="0"/>
@@ -17552,7 +17698,7 @@
           <a:graphicData uri="http://schemas.openxmlformats.org/presentationml/2006/ole">
             <mc:AlternateContent xmlns:mc="http://schemas.openxmlformats.org/markup-compatibility/2006">
               <mc:Choice xmlns:v="urn:schemas-microsoft-com:vml" Requires="v">
-                <p:oleObj spid="_x0000_s1037" name="Equation" r:id="rId4" imgW="3073400" imgH="1574800" progId="Equation.DSMT4">
+                <p:oleObj spid="_x0000_s1043" name="Equation" r:id="rId4" imgW="3073400" imgH="1574800" progId="Equation.DSMT4">
                   <p:embed/>
                 </p:oleObj>
               </mc:Choice>
@@ -17692,7 +17838,7 @@
           <a:graphicData uri="http://schemas.openxmlformats.org/presentationml/2006/ole">
             <mc:AlternateContent xmlns:mc="http://schemas.openxmlformats.org/markup-compatibility/2006">
               <mc:Choice xmlns:v="urn:schemas-microsoft-com:vml" Requires="v">
-                <p:oleObj spid="_x0000_s1038" name="Equation" r:id="rId6" imgW="2857500" imgH="1663700" progId="Equation.DSMT4">
+                <p:oleObj spid="_x0000_s1044" name="Equation" r:id="rId6" imgW="2857500" imgH="1663700" progId="Equation.DSMT4">
                   <p:embed/>
                 </p:oleObj>
               </mc:Choice>
@@ -17908,7 +18054,11 @@
             </a:r>
             <a:r>
               <a:rPr lang="en-US" dirty="0" smtClean="0"/>
-              <a:t> 12W.</a:t>
+              <a:t> </a:t>
+            </a:r>
+            <a:r>
+              <a:rPr lang="en-US" dirty="0" smtClean="0"/>
+              <a:t>11M.</a:t>
             </a:r>
             <a:fld id="{A585D087-0720-40C8-BCB9-442D95888E3B}" type="slidenum">
               <a:rPr lang="en-US" smtClean="0"/>
@@ -17983,7 +18133,7 @@
           <a:graphicData uri="http://schemas.openxmlformats.org/presentationml/2006/ole">
             <mc:AlternateContent xmlns:mc="http://schemas.openxmlformats.org/markup-compatibility/2006">
               <mc:Choice xmlns:v="urn:schemas-microsoft-com:vml" Requires="v">
-                <p:oleObj spid="_x0000_s93216" name="Equation" r:id="rId4" imgW="3543300" imgH="1917700" progId="Equation.DSMT4">
+                <p:oleObj spid="_x0000_s93224" name="Equation" r:id="rId4" imgW="3543300" imgH="1917700" progId="Equation.DSMT4">
                   <p:embed/>
                 </p:oleObj>
               </mc:Choice>
@@ -18053,7 +18203,7 @@
           <a:graphicData uri="http://schemas.openxmlformats.org/presentationml/2006/ole">
             <mc:AlternateContent xmlns:mc="http://schemas.openxmlformats.org/markup-compatibility/2006">
               <mc:Choice xmlns:v="urn:schemas-microsoft-com:vml" Requires="v">
-                <p:oleObj spid="_x0000_s93217" name="Equation" r:id="rId6" imgW="3543300" imgH="1600200" progId="Equation.DSMT4">
+                <p:oleObj spid="_x0000_s93225" name="Equation" r:id="rId6" imgW="3543300" imgH="1600200" progId="Equation.DSMT4">
                   <p:embed/>
                 </p:oleObj>
               </mc:Choice>
@@ -18123,7 +18273,7 @@
           <a:graphicData uri="http://schemas.openxmlformats.org/presentationml/2006/ole">
             <mc:AlternateContent xmlns:mc="http://schemas.openxmlformats.org/markup-compatibility/2006">
               <mc:Choice xmlns:v="urn:schemas-microsoft-com:vml" Requires="v">
-                <p:oleObj spid="_x0000_s93218" name="Equation" r:id="rId8" imgW="1524000" imgH="482600" progId="Equation.DSMT4">
+                <p:oleObj spid="_x0000_s93226" name="Equation" r:id="rId8" imgW="1524000" imgH="482600" progId="Equation.DSMT4">
                   <p:embed/>
                 </p:oleObj>
               </mc:Choice>
@@ -18438,7 +18588,11 @@
             </a:r>
             <a:r>
               <a:rPr lang="en-US" dirty="0" smtClean="0"/>
-              <a:t> 12W.</a:t>
+              <a:t> </a:t>
+            </a:r>
+            <a:r>
+              <a:rPr lang="en-US" dirty="0" smtClean="0"/>
+              <a:t>11M.</a:t>
             </a:r>
             <a:fld id="{A585D087-0720-40C8-BCB9-442D95888E3B}" type="slidenum">
               <a:rPr lang="en-US" smtClean="0"/>
@@ -18501,7 +18655,7 @@
           <a:graphicData uri="http://schemas.openxmlformats.org/presentationml/2006/ole">
             <mc:AlternateContent xmlns:mc="http://schemas.openxmlformats.org/markup-compatibility/2006">
               <mc:Choice xmlns:v="urn:schemas-microsoft-com:vml" Requires="v">
-                <p:oleObj spid="_x0000_s231437" name="Equation" r:id="rId4" imgW="6603840" imgH="2920680" progId="Equation.DSMT4">
+                <p:oleObj spid="_x0000_s231441" name="Equation" r:id="rId4" imgW="6603840" imgH="2920680" progId="Equation.DSMT4">
                   <p:embed/>
                 </p:oleObj>
               </mc:Choice>
@@ -18716,7 +18870,11 @@
             </a:r>
             <a:r>
               <a:rPr lang="en-US" dirty="0" smtClean="0"/>
-              <a:t> 12W.</a:t>
+              <a:t> </a:t>
+            </a:r>
+            <a:r>
+              <a:rPr lang="en-US" dirty="0" smtClean="0"/>
+              <a:t>11M.</a:t>
             </a:r>
             <a:fld id="{A585D087-0720-40C8-BCB9-442D95888E3B}" type="slidenum">
               <a:rPr lang="en-US" smtClean="0"/>
@@ -18751,7 +18909,7 @@
           <a:graphicData uri="http://schemas.openxmlformats.org/presentationml/2006/ole">
             <mc:AlternateContent xmlns:mc="http://schemas.openxmlformats.org/markup-compatibility/2006">
               <mc:Choice xmlns:v="urn:schemas-microsoft-com:vml" Requires="v">
-                <p:oleObj spid="_x0000_s232462" name="Equation" r:id="rId4" imgW="6489700" imgH="850900" progId="Equation.DSMT4">
+                <p:oleObj spid="_x0000_s232466" name="Equation" r:id="rId4" imgW="6489700" imgH="850900" progId="Equation.DSMT4">
                   <p:embed/>
                 </p:oleObj>
               </mc:Choice>
@@ -18999,7 +19157,11 @@
             </a:r>
             <a:r>
               <a:rPr lang="en-US" dirty="0" smtClean="0"/>
-              <a:t> 12W.</a:t>
+              <a:t> </a:t>
+            </a:r>
+            <a:r>
+              <a:rPr lang="en-US" dirty="0" smtClean="0"/>
+              <a:t>11M.</a:t>
             </a:r>
             <a:fld id="{A585D087-0720-40C8-BCB9-442D95888E3B}" type="slidenum">
               <a:rPr lang="en-US" smtClean="0"/>
@@ -19034,7 +19196,7 @@
           <a:graphicData uri="http://schemas.openxmlformats.org/presentationml/2006/ole">
             <mc:AlternateContent xmlns:mc="http://schemas.openxmlformats.org/markup-compatibility/2006">
               <mc:Choice xmlns:v="urn:schemas-microsoft-com:vml" Requires="v">
-                <p:oleObj spid="_x0000_s233492" name="Equation" r:id="rId4" imgW="6540500" imgH="1092200" progId="Equation.3">
+                <p:oleObj spid="_x0000_s233498" name="Equation" r:id="rId4" imgW="6540500" imgH="1092200" progId="Equation.3">
                   <p:embed/>
                 </p:oleObj>
               </mc:Choice>
@@ -19141,7 +19303,7 @@
           <a:graphicData uri="http://schemas.openxmlformats.org/presentationml/2006/ole">
             <mc:AlternateContent xmlns:mc="http://schemas.openxmlformats.org/markup-compatibility/2006">
               <mc:Choice xmlns:v="urn:schemas-microsoft-com:vml" Requires="v">
-                <p:oleObj spid="_x0000_s233493" name="Equation" r:id="rId6" imgW="5905440" imgH="558720" progId="Equation.DSMT4">
+                <p:oleObj spid="_x0000_s233499" name="Equation" r:id="rId6" imgW="5905440" imgH="558720" progId="Equation.DSMT4">
                   <p:embed/>
                 </p:oleObj>
               </mc:Choice>
@@ -19275,7 +19437,11 @@
             </a:r>
             <a:r>
               <a:rPr lang="en-US" dirty="0" smtClean="0"/>
-              <a:t> 12W.</a:t>
+              <a:t> </a:t>
+            </a:r>
+            <a:r>
+              <a:rPr lang="en-US" dirty="0" smtClean="0"/>
+              <a:t>11M.</a:t>
             </a:r>
             <a:fld id="{A585D087-0720-40C8-BCB9-442D95888E3B}" type="slidenum">
               <a:rPr lang="en-US" smtClean="0"/>
@@ -19841,7 +20007,7 @@
           <a:graphicData uri="http://schemas.openxmlformats.org/presentationml/2006/ole">
             <mc:AlternateContent xmlns:mc="http://schemas.openxmlformats.org/markup-compatibility/2006">
               <mc:Choice xmlns:v="urn:schemas-microsoft-com:vml" Requires="v">
-                <p:oleObj spid="_x0000_s385039" name="Equation" r:id="rId4" imgW="419100" imgH="495300" progId="Equation.DSMT4">
+                <p:oleObj spid="_x0000_s385043" name="Equation" r:id="rId4" imgW="419100" imgH="495300" progId="Equation.DSMT4">
                   <p:embed/>
                 </p:oleObj>
               </mc:Choice>
@@ -19956,7 +20122,11 @@
             </a:r>
             <a:r>
               <a:rPr lang="en-US" dirty="0" smtClean="0"/>
-              <a:t> 12W.</a:t>
+              <a:t> </a:t>
+            </a:r>
+            <a:r>
+              <a:rPr lang="en-US" dirty="0" smtClean="0"/>
+              <a:t>11M.</a:t>
             </a:r>
             <a:fld id="{A585D087-0720-40C8-BCB9-442D95888E3B}" type="slidenum">
               <a:rPr lang="en-US" smtClean="0"/>
@@ -20228,7 +20398,7 @@
           <a:graphicData uri="http://schemas.openxmlformats.org/presentationml/2006/ole">
             <mc:AlternateContent xmlns:mc="http://schemas.openxmlformats.org/markup-compatibility/2006">
               <mc:Choice xmlns:v="urn:schemas-microsoft-com:vml" Requires="v">
-                <p:oleObj spid="_x0000_s259105" name="Equation" r:id="rId3" imgW="4533900" imgH="1435100" progId="Equation.DSMT4">
+                <p:oleObj spid="_x0000_s259113" name="Equation" r:id="rId3" imgW="4533900" imgH="1435100" progId="Equation.DSMT4">
                   <p:embed/>
                 </p:oleObj>
               </mc:Choice>
@@ -20298,7 +20468,7 @@
           <a:graphicData uri="http://schemas.openxmlformats.org/presentationml/2006/ole">
             <mc:AlternateContent xmlns:mc="http://schemas.openxmlformats.org/markup-compatibility/2006">
               <mc:Choice xmlns:v="urn:schemas-microsoft-com:vml" Requires="v">
-                <p:oleObj spid="_x0000_s259106" name="Equation" r:id="rId5" imgW="4800600" imgH="1180800" progId="Equation.DSMT4">
+                <p:oleObj spid="_x0000_s259114" name="Equation" r:id="rId5" imgW="4800600" imgH="1180800" progId="Equation.DSMT4">
                   <p:embed/>
                 </p:oleObj>
               </mc:Choice>
@@ -20368,7 +20538,7 @@
           <a:graphicData uri="http://schemas.openxmlformats.org/presentationml/2006/ole">
             <mc:AlternateContent xmlns:mc="http://schemas.openxmlformats.org/markup-compatibility/2006">
               <mc:Choice xmlns:v="urn:schemas-microsoft-com:vml" Requires="v">
-                <p:oleObj spid="_x0000_s259107" name="Equation" r:id="rId7" imgW="4520880" imgH="1143000" progId="Equation.DSMT4">
+                <p:oleObj spid="_x0000_s259115" name="Equation" r:id="rId7" imgW="4520880" imgH="1143000" progId="Equation.DSMT4">
                   <p:embed/>
                 </p:oleObj>
               </mc:Choice>
@@ -20699,7 +20869,11 @@
             </a:r>
             <a:r>
               <a:rPr lang="en-US" dirty="0" smtClean="0"/>
-              <a:t> 12W.</a:t>
+              <a:t> </a:t>
+            </a:r>
+            <a:r>
+              <a:rPr lang="en-US" dirty="0" smtClean="0"/>
+              <a:t>11M.</a:t>
             </a:r>
             <a:fld id="{A585D087-0720-40C8-BCB9-442D95888E3B}" type="slidenum">
               <a:rPr lang="en-US" smtClean="0"/>
@@ -21071,7 +21245,7 @@
           <a:graphicData uri="http://schemas.openxmlformats.org/presentationml/2006/ole">
             <mc:AlternateContent xmlns:mc="http://schemas.openxmlformats.org/markup-compatibility/2006">
               <mc:Choice xmlns:v="urn:schemas-microsoft-com:vml" Requires="v">
-                <p:oleObj spid="_x0000_s260120" name="Equation" r:id="rId3" imgW="6705600" imgH="1625600" progId="Equation.DSMT4">
+                <p:oleObj spid="_x0000_s260126" name="Equation" r:id="rId3" imgW="6705600" imgH="1625600" progId="Equation.DSMT4">
                   <p:embed/>
                 </p:oleObj>
               </mc:Choice>
@@ -21141,7 +21315,7 @@
           <a:graphicData uri="http://schemas.openxmlformats.org/presentationml/2006/ole">
             <mc:AlternateContent xmlns:mc="http://schemas.openxmlformats.org/markup-compatibility/2006">
               <mc:Choice xmlns:v="urn:schemas-microsoft-com:vml" Requires="v">
-                <p:oleObj spid="_x0000_s260121" name="Equation" r:id="rId5" imgW="3898900" imgH="850900" progId="Equation.DSMT4">
+                <p:oleObj spid="_x0000_s260127" name="Equation" r:id="rId5" imgW="3898900" imgH="850900" progId="Equation.DSMT4">
                   <p:embed/>
                 </p:oleObj>
               </mc:Choice>
@@ -21381,7 +21555,11 @@
             </a:r>
             <a:r>
               <a:rPr lang="en-US" dirty="0" smtClean="0"/>
-              <a:t> 12W.</a:t>
+              <a:t> </a:t>
+            </a:r>
+            <a:r>
+              <a:rPr lang="en-US" dirty="0" smtClean="0"/>
+              <a:t>11M.</a:t>
             </a:r>
             <a:fld id="{A585D087-0720-40C8-BCB9-442D95888E3B}" type="slidenum">
               <a:rPr lang="en-US" smtClean="0"/>
@@ -21684,7 +21862,7 @@
           <a:graphicData uri="http://schemas.openxmlformats.org/presentationml/2006/ole">
             <mc:AlternateContent xmlns:mc="http://schemas.openxmlformats.org/markup-compatibility/2006">
               <mc:Choice xmlns:v="urn:schemas-microsoft-com:vml" Requires="v">
-                <p:oleObj spid="_x0000_s261140" name="Equation" r:id="rId3" imgW="7327800" imgH="1307880" progId="Equation.DSMT4">
+                <p:oleObj spid="_x0000_s261146" name="Equation" r:id="rId3" imgW="7327800" imgH="1307880" progId="Equation.DSMT4">
                   <p:embed/>
                 </p:oleObj>
               </mc:Choice>
@@ -21808,7 +21986,7 @@
           <a:graphicData uri="http://schemas.openxmlformats.org/presentationml/2006/ole">
             <mc:AlternateContent xmlns:mc="http://schemas.openxmlformats.org/markup-compatibility/2006">
               <mc:Choice xmlns:v="urn:schemas-microsoft-com:vml" Requires="v">
-                <p:oleObj spid="_x0000_s261141" name="Equation" r:id="rId5" imgW="6057720" imgH="660240" progId="Equation.DSMT4">
+                <p:oleObj spid="_x0000_s261147" name="Equation" r:id="rId5" imgW="6057720" imgH="660240" progId="Equation.DSMT4">
                   <p:embed/>
                 </p:oleObj>
               </mc:Choice>
@@ -21891,7 +22069,11 @@
             </a:r>
             <a:r>
               <a:rPr lang="en-US" dirty="0" smtClean="0"/>
-              <a:t> 12W.</a:t>
+              <a:t> </a:t>
+            </a:r>
+            <a:r>
+              <a:rPr lang="en-US" dirty="0" smtClean="0"/>
+              <a:t>11M.</a:t>
             </a:r>
             <a:fld id="{A585D087-0720-40C8-BCB9-442D95888E3B}" type="slidenum">
               <a:rPr lang="en-US" smtClean="0"/>
@@ -22085,7 +22267,11 @@
             </a:r>
             <a:r>
               <a:rPr lang="en-US" dirty="0" smtClean="0"/>
-              <a:t> 12W.</a:t>
+              <a:t> </a:t>
+            </a:r>
+            <a:r>
+              <a:rPr lang="en-US" dirty="0" smtClean="0"/>
+              <a:t>11M.</a:t>
             </a:r>
             <a:fld id="{ABE16930-C7CC-4A6F-941E-7E241FFA49FB}" type="slidenum">
               <a:rPr lang="en-US" smtClean="0"/>
@@ -22429,7 +22615,7 @@
           <a:graphicData uri="http://schemas.openxmlformats.org/presentationml/2006/ole">
             <mc:AlternateContent xmlns:mc="http://schemas.openxmlformats.org/markup-compatibility/2006">
               <mc:Choice xmlns:v="urn:schemas-microsoft-com:vml" Requires="v">
-                <p:oleObj spid="_x0000_s262199" name="Equation" r:id="rId3" imgW="6057720" imgH="660240" progId="Equation.DSMT4">
+                <p:oleObj spid="_x0000_s262215" name="Equation" r:id="rId3" imgW="6057720" imgH="660240" progId="Equation.DSMT4">
                   <p:embed/>
                 </p:oleObj>
               </mc:Choice>
@@ -22537,7 +22723,7 @@
           <a:graphicData uri="http://schemas.openxmlformats.org/presentationml/2006/ole">
             <mc:AlternateContent xmlns:mc="http://schemas.openxmlformats.org/markup-compatibility/2006">
               <mc:Choice xmlns:v="urn:schemas-microsoft-com:vml" Requires="v">
-                <p:oleObj spid="_x0000_s262200" name="Equation" r:id="rId5" imgW="1396800" imgH="482400" progId="Equation.DSMT4">
+                <p:oleObj spid="_x0000_s262216" name="Equation" r:id="rId5" imgW="1396800" imgH="482400" progId="Equation.DSMT4">
                   <p:embed/>
                 </p:oleObj>
               </mc:Choice>
@@ -22607,7 +22793,7 @@
           <a:graphicData uri="http://schemas.openxmlformats.org/presentationml/2006/ole">
             <mc:AlternateContent xmlns:mc="http://schemas.openxmlformats.org/markup-compatibility/2006">
               <mc:Choice xmlns:v="urn:schemas-microsoft-com:vml" Requires="v">
-                <p:oleObj spid="_x0000_s262201" name="Equation" r:id="rId7" imgW="2946240" imgH="660240" progId="Equation.DSMT4">
+                <p:oleObj spid="_x0000_s262217" name="Equation" r:id="rId7" imgW="2946240" imgH="660240" progId="Equation.DSMT4">
                   <p:embed/>
                 </p:oleObj>
               </mc:Choice>
@@ -22677,7 +22863,7 @@
           <a:graphicData uri="http://schemas.openxmlformats.org/presentationml/2006/ole">
             <mc:AlternateContent xmlns:mc="http://schemas.openxmlformats.org/markup-compatibility/2006">
               <mc:Choice xmlns:v="urn:schemas-microsoft-com:vml" Requires="v">
-                <p:oleObj spid="_x0000_s262202" name="Equation" r:id="rId9" imgW="1981080" imgH="863280" progId="Equation.DSMT4">
+                <p:oleObj spid="_x0000_s262218" name="Equation" r:id="rId9" imgW="1981080" imgH="863280" progId="Equation.DSMT4">
                   <p:embed/>
                 </p:oleObj>
               </mc:Choice>
@@ -22747,7 +22933,7 @@
           <a:graphicData uri="http://schemas.openxmlformats.org/presentationml/2006/ole">
             <mc:AlternateContent xmlns:mc="http://schemas.openxmlformats.org/markup-compatibility/2006">
               <mc:Choice xmlns:v="urn:schemas-microsoft-com:vml" Requires="v">
-                <p:oleObj spid="_x0000_s262203" name="Equation" r:id="rId11" imgW="2133360" imgH="545760" progId="Equation.DSMT4">
+                <p:oleObj spid="_x0000_s262219" name="Equation" r:id="rId11" imgW="2133360" imgH="545760" progId="Equation.DSMT4">
                   <p:embed/>
                 </p:oleObj>
               </mc:Choice>
@@ -22817,7 +23003,7 @@
           <a:graphicData uri="http://schemas.openxmlformats.org/presentationml/2006/ole">
             <mc:AlternateContent xmlns:mc="http://schemas.openxmlformats.org/markup-compatibility/2006">
               <mc:Choice xmlns:v="urn:schemas-microsoft-com:vml" Requires="v">
-                <p:oleObj spid="_x0000_s262204" name="Equation" r:id="rId13" imgW="4267080" imgH="685800" progId="Equation.DSMT4">
+                <p:oleObj spid="_x0000_s262220" name="Equation" r:id="rId13" imgW="4267080" imgH="685800" progId="Equation.DSMT4">
                   <p:embed/>
                 </p:oleObj>
               </mc:Choice>
@@ -22887,7 +23073,7 @@
           <a:graphicData uri="http://schemas.openxmlformats.org/presentationml/2006/ole">
             <mc:AlternateContent xmlns:mc="http://schemas.openxmlformats.org/markup-compatibility/2006">
               <mc:Choice xmlns:v="urn:schemas-microsoft-com:vml" Requires="v">
-                <p:oleObj spid="_x0000_s262205" name="Equation" r:id="rId15" imgW="1574640" imgH="863280" progId="Equation.DSMT4">
+                <p:oleObj spid="_x0000_s262221" name="Equation" r:id="rId15" imgW="1574640" imgH="863280" progId="Equation.DSMT4">
                   <p:embed/>
                 </p:oleObj>
               </mc:Choice>
@@ -22970,7 +23156,11 @@
             </a:r>
             <a:r>
               <a:rPr lang="en-US" dirty="0" smtClean="0"/>
-              <a:t> 12W.</a:t>
+              <a:t> </a:t>
+            </a:r>
+            <a:r>
+              <a:rPr lang="en-US" dirty="0" smtClean="0"/>
+              <a:t>11M.</a:t>
             </a:r>
             <a:fld id="{A585D087-0720-40C8-BCB9-442D95888E3B}" type="slidenum">
               <a:rPr lang="en-US" smtClean="0"/>
@@ -23382,7 +23572,7 @@
           <a:graphicData uri="http://schemas.openxmlformats.org/presentationml/2006/ole">
             <mc:AlternateContent xmlns:mc="http://schemas.openxmlformats.org/markup-compatibility/2006">
               <mc:Choice xmlns:v="urn:schemas-microsoft-com:vml" Requires="v">
-                <p:oleObj spid="_x0000_s257053" name="Equation" r:id="rId3" imgW="4495680" imgH="1269720" progId="Equation.DSMT4">
+                <p:oleObj spid="_x0000_s257061" name="Equation" r:id="rId3" imgW="4495680" imgH="1269720" progId="Equation.DSMT4">
                   <p:embed/>
                 </p:oleObj>
               </mc:Choice>
@@ -23495,7 +23685,11 @@
             </a:r>
             <a:r>
               <a:rPr lang="en-US" dirty="0" smtClean="0"/>
-              <a:t> 12W.</a:t>
+              <a:t> </a:t>
+            </a:r>
+            <a:r>
+              <a:rPr lang="en-US" dirty="0" smtClean="0"/>
+              <a:t>11M.</a:t>
             </a:r>
             <a:fld id="{A585D087-0720-40C8-BCB9-442D95888E3B}" type="slidenum">
               <a:rPr lang="en-US" smtClean="0"/>
@@ -23524,7 +23718,7 @@
           <a:graphicData uri="http://schemas.openxmlformats.org/presentationml/2006/ole">
             <mc:AlternateContent xmlns:mc="http://schemas.openxmlformats.org/markup-compatibility/2006">
               <mc:Choice xmlns:v="urn:schemas-microsoft-com:vml" Requires="v">
-                <p:oleObj spid="_x0000_s257054" name="Equation" r:id="rId5" imgW="3848100" imgH="1447800" progId="Equation.DSMT4">
+                <p:oleObj spid="_x0000_s257062" name="Equation" r:id="rId5" imgW="3848100" imgH="1447800" progId="Equation.DSMT4">
                   <p:embed/>
                 </p:oleObj>
               </mc:Choice>
@@ -23587,7 +23781,7 @@
           <a:graphicData uri="http://schemas.openxmlformats.org/presentationml/2006/ole">
             <mc:AlternateContent xmlns:mc="http://schemas.openxmlformats.org/markup-compatibility/2006">
               <mc:Choice xmlns:v="urn:schemas-microsoft-com:vml" Requires="v">
-                <p:oleObj spid="_x0000_s257055" name="Equation" r:id="rId7" imgW="749300" imgH="304800" progId="Equation.DSMT4">
+                <p:oleObj spid="_x0000_s257063" name="Equation" r:id="rId7" imgW="749300" imgH="304800" progId="Equation.DSMT4">
                   <p:embed/>
                 </p:oleObj>
               </mc:Choice>
@@ -23945,7 +24139,7 @@
           <a:graphicData uri="http://schemas.openxmlformats.org/presentationml/2006/ole">
             <mc:AlternateContent xmlns:mc="http://schemas.openxmlformats.org/markup-compatibility/2006">
               <mc:Choice xmlns:v="urn:schemas-microsoft-com:vml" Requires="v">
-                <p:oleObj spid="_x0000_s258070" name="Equation" r:id="rId3" imgW="4241800" imgH="1917700" progId="Equation.DSMT4">
+                <p:oleObj spid="_x0000_s258076" name="Equation" r:id="rId3" imgW="4241800" imgH="1917700" progId="Equation.DSMT4">
                   <p:embed/>
                 </p:oleObj>
               </mc:Choice>
@@ -24225,7 +24419,11 @@
             </a:r>
             <a:r>
               <a:rPr lang="en-US" dirty="0" smtClean="0"/>
-              <a:t> 12W.</a:t>
+              <a:t> </a:t>
+            </a:r>
+            <a:r>
+              <a:rPr lang="en-US" dirty="0" smtClean="0"/>
+              <a:t>11M.</a:t>
             </a:r>
             <a:fld id="{A585D087-0720-40C8-BCB9-442D95888E3B}" type="slidenum">
               <a:rPr lang="en-US" smtClean="0"/>
@@ -24254,7 +24452,7 @@
           <a:graphicData uri="http://schemas.openxmlformats.org/presentationml/2006/ole">
             <mc:AlternateContent xmlns:mc="http://schemas.openxmlformats.org/markup-compatibility/2006">
               <mc:Choice xmlns:v="urn:schemas-microsoft-com:vml" Requires="v">
-                <p:oleObj spid="_x0000_s258071" name="Equation" r:id="rId5" imgW="965200" imgH="533400" progId="Equation.DSMT4">
+                <p:oleObj spid="_x0000_s258077" name="Equation" r:id="rId5" imgW="965200" imgH="533400" progId="Equation.DSMT4">
                   <p:embed/>
                 </p:oleObj>
               </mc:Choice>
@@ -24717,7 +24915,7 @@
           <a:graphicData uri="http://schemas.openxmlformats.org/presentationml/2006/ole">
             <mc:AlternateContent xmlns:mc="http://schemas.openxmlformats.org/markup-compatibility/2006">
               <mc:Choice xmlns:v="urn:schemas-microsoft-com:vml" Requires="v">
-                <p:oleObj spid="_x0000_s380948" name="Equation" r:id="rId4" imgW="2463800" imgH="1727200" progId="Equation.DSMT4">
+                <p:oleObj spid="_x0000_s380954" name="Equation" r:id="rId4" imgW="2463800" imgH="1727200" progId="Equation.DSMT4">
                   <p:embed/>
                 </p:oleObj>
               </mc:Choice>
@@ -24829,7 +25027,7 @@
           <a:graphicData uri="http://schemas.openxmlformats.org/presentationml/2006/ole">
             <mc:AlternateContent xmlns:mc="http://schemas.openxmlformats.org/markup-compatibility/2006">
               <mc:Choice xmlns:v="urn:schemas-microsoft-com:vml" Requires="v">
-                <p:oleObj spid="_x0000_s380949" name="Equation" r:id="rId6" imgW="7924800" imgH="1663700" progId="Equation.DSMT4">
+                <p:oleObj spid="_x0000_s380955" name="Equation" r:id="rId6" imgW="7924800" imgH="1663700" progId="Equation.DSMT4">
                   <p:embed/>
                 </p:oleObj>
               </mc:Choice>
@@ -24912,7 +25110,11 @@
             </a:r>
             <a:r>
               <a:rPr lang="en-US" dirty="0" smtClean="0"/>
-              <a:t> 12W.</a:t>
+              <a:t> </a:t>
+            </a:r>
+            <a:r>
+              <a:rPr lang="en-US" dirty="0" smtClean="0"/>
+              <a:t>11M.</a:t>
             </a:r>
             <a:fld id="{A585D087-0720-40C8-BCB9-442D95888E3B}" type="slidenum">
               <a:rPr lang="en-US" smtClean="0"/>
@@ -25180,7 +25382,7 @@
           <a:graphicData uri="http://schemas.openxmlformats.org/presentationml/2006/ole">
             <mc:AlternateContent xmlns:mc="http://schemas.openxmlformats.org/markup-compatibility/2006">
               <mc:Choice xmlns:v="urn:schemas-microsoft-com:vml" Requires="v">
-                <p:oleObj spid="_x0000_s382996" name="Equation" r:id="rId4" imgW="6273720" imgH="571320" progId="Equation.DSMT4">
+                <p:oleObj spid="_x0000_s383002" name="Equation" r:id="rId4" imgW="6273720" imgH="571320" progId="Equation.DSMT4">
                   <p:embed/>
                 </p:oleObj>
               </mc:Choice>
@@ -25317,7 +25519,7 @@
           <a:graphicData uri="http://schemas.openxmlformats.org/presentationml/2006/ole">
             <mc:AlternateContent xmlns:mc="http://schemas.openxmlformats.org/markup-compatibility/2006">
               <mc:Choice xmlns:v="urn:schemas-microsoft-com:vml" Requires="v">
-                <p:oleObj spid="_x0000_s382997" name="Equation" r:id="rId6" imgW="5537160" imgH="571320" progId="Equation.DSMT4">
+                <p:oleObj spid="_x0000_s383003" name="Equation" r:id="rId6" imgW="5537160" imgH="571320" progId="Equation.DSMT4">
                   <p:embed/>
                 </p:oleObj>
               </mc:Choice>
@@ -25471,7 +25673,11 @@
             </a:r>
             <a:r>
               <a:rPr lang="en-US" dirty="0" smtClean="0"/>
-              <a:t> 12W.</a:t>
+              <a:t> </a:t>
+            </a:r>
+            <a:r>
+              <a:rPr lang="en-US" dirty="0" smtClean="0"/>
+              <a:t>11M.</a:t>
             </a:r>
             <a:fld id="{A585D087-0720-40C8-BCB9-442D95888E3B}" type="slidenum">
               <a:rPr lang="en-US" smtClean="0"/>
@@ -25888,7 +26094,11 @@
             </a:r>
             <a:r>
               <a:rPr lang="en-US" dirty="0" smtClean="0"/>
-              <a:t> 12W.</a:t>
+              <a:t> </a:t>
+            </a:r>
+            <a:r>
+              <a:rPr lang="en-US" dirty="0" smtClean="0"/>
+              <a:t>11M.</a:t>
             </a:r>
             <a:fld id="{A585D087-0720-40C8-BCB9-442D95888E3B}" type="slidenum">
               <a:rPr lang="en-US" smtClean="0"/>
@@ -26416,7 +26626,11 @@
             </a:r>
             <a:r>
               <a:rPr lang="en-US" dirty="0" smtClean="0"/>
-              <a:t> 12W.</a:t>
+              <a:t> </a:t>
+            </a:r>
+            <a:r>
+              <a:rPr lang="en-US" dirty="0" smtClean="0"/>
+              <a:t>11M.</a:t>
             </a:r>
             <a:fld id="{352FCCE4-BE3A-4FE8-9C7F-346C1706D930}" type="slidenum">
               <a:rPr lang="en-US" smtClean="0"/>
@@ -26812,7 +27026,7 @@
           <a:graphicData uri="http://schemas.openxmlformats.org/presentationml/2006/ole">
             <mc:AlternateContent xmlns:mc="http://schemas.openxmlformats.org/markup-compatibility/2006">
               <mc:Choice xmlns:v="urn:schemas-microsoft-com:vml" Requires="v">
-                <p:oleObj spid="_x0000_s80940" name="Equation" r:id="rId4" imgW="3441700" imgH="838200" progId="Equation.3">
+                <p:oleObj spid="_x0000_s80950" name="Equation" r:id="rId4" imgW="3441700" imgH="838200" progId="Equation.3">
                   <p:embed/>
                 </p:oleObj>
               </mc:Choice>
@@ -26884,7 +27098,11 @@
             </a:r>
             <a:r>
               <a:rPr lang="en-US" dirty="0" smtClean="0"/>
-              <a:t> 12W.</a:t>
+              <a:t> </a:t>
+            </a:r>
+            <a:r>
+              <a:rPr lang="en-US" dirty="0" smtClean="0"/>
+              <a:t>11M.</a:t>
             </a:r>
             <a:fld id="{167FB316-D213-489C-8FDE-91E3356C5A60}" type="slidenum">
               <a:rPr lang="en-US" smtClean="0"/>
@@ -26919,7 +27137,7 @@
           <a:graphicData uri="http://schemas.openxmlformats.org/presentationml/2006/ole">
             <mc:AlternateContent xmlns:mc="http://schemas.openxmlformats.org/markup-compatibility/2006">
               <mc:Choice xmlns:v="urn:schemas-microsoft-com:vml" Requires="v">
-                <p:oleObj spid="_x0000_s80941" name="Equation" r:id="rId6" imgW="3060700" imgH="1092200" progId="Equation.3">
+                <p:oleObj spid="_x0000_s80951" name="Equation" r:id="rId6" imgW="3060700" imgH="1092200" progId="Equation.3">
                   <p:embed/>
                 </p:oleObj>
               </mc:Choice>
@@ -27027,7 +27245,7 @@
             <a:graphicData uri="http://schemas.openxmlformats.org/presentationml/2006/ole">
               <mc:AlternateContent xmlns:mc="http://schemas.openxmlformats.org/markup-compatibility/2006">
                 <mc:Choice xmlns:v="urn:schemas-microsoft-com:vml" Requires="v">
-                  <p:oleObj spid="_x0000_s80942" name="Equation" r:id="rId8" imgW="1066680" imgH="342720" progId="Equation.DSMT4">
+                  <p:oleObj spid="_x0000_s80952" name="Equation" r:id="rId8" imgW="1066680" imgH="342720" progId="Equation.DSMT4">
                     <p:embed/>
                   </p:oleObj>
                 </mc:Choice>
@@ -27126,7 +27344,7 @@
           <a:graphicData uri="http://schemas.openxmlformats.org/presentationml/2006/ole">
             <mc:AlternateContent xmlns:mc="http://schemas.openxmlformats.org/markup-compatibility/2006">
               <mc:Choice xmlns:v="urn:schemas-microsoft-com:vml" Requires="v">
-                <p:oleObj spid="_x0000_s80943" name="Equation" r:id="rId10" imgW="1168400" imgH="1104900" progId="Equation.DSMT4">
+                <p:oleObj spid="_x0000_s80953" name="Equation" r:id="rId10" imgW="1168400" imgH="1104900" progId="Equation.DSMT4">
                   <p:embed/>
                 </p:oleObj>
               </mc:Choice>
@@ -27487,7 +27705,11 @@
             </a:r>
             <a:r>
               <a:rPr lang="en-US" dirty="0" smtClean="0"/>
-              <a:t> 12W.</a:t>
+              <a:t> </a:t>
+            </a:r>
+            <a:r>
+              <a:rPr lang="en-US" dirty="0" smtClean="0"/>
+              <a:t>11M.</a:t>
             </a:r>
             <a:fld id="{167FB316-D213-489C-8FDE-91E3356C5A60}" type="slidenum">
               <a:rPr lang="en-US" smtClean="0"/>
@@ -27671,7 +27893,11 @@
             </a:r>
             <a:r>
               <a:rPr lang="en-US" dirty="0" smtClean="0"/>
-              <a:t> 12W.</a:t>
+              <a:t> </a:t>
+            </a:r>
+            <a:r>
+              <a:rPr lang="en-US" dirty="0" smtClean="0"/>
+              <a:t>11M.</a:t>
             </a:r>
             <a:fld id="{167FB316-D213-489C-8FDE-91E3356C5A60}" type="slidenum">
               <a:rPr lang="en-US" smtClean="0"/>
@@ -28299,7 +28525,11 @@
             </a:r>
             <a:r>
               <a:rPr lang="en-US" dirty="0" smtClean="0"/>
-              <a:t> 12W.</a:t>
+              <a:t> </a:t>
+            </a:r>
+            <a:r>
+              <a:rPr lang="en-US" dirty="0" smtClean="0"/>
+              <a:t>11M.</a:t>
             </a:r>
             <a:fld id="{167FB316-D213-489C-8FDE-91E3356C5A60}" type="slidenum">
               <a:rPr lang="en-US" smtClean="0"/>
